--- a/output/notWellKnown/New-Day.pptx
+++ b/output/notWellKnown/New-Day.pptx
@@ -583,7 +583,7 @@
           <a:lstStyle/>
           <a:p>
             <a:r>
-              <a:t>Chorus </a:t>
+              <a:t>Chorus</a:t>
             </a:r>
             <a:br/>
             <a:r>
@@ -3944,7 +3944,7 @@
               <a:defRPr sz="1200"/>
             </a:pPr>
             <a:r>
-              <a:t>Chorus </a:t>
+              <a:t>Chorus</a:t>
             </a:r>
             <a:br/>
             <a:r>
